--- a/wenjuan/E2UB static evaluation report.pptx
+++ b/wenjuan/E2UB static evaluation report.pptx
@@ -25153,7 +25153,7 @@
                 <a:gridCol w="614607"/>
                 <a:gridCol w="614607"/>
               </a:tblGrid>
-              <a:tr h="370840">
+              <a:tr h="594360">
                 <a:tc>
                   <a:txBody>
                     <a:bodyPr/>
@@ -25439,7 +25439,7 @@
                   <a:tcPr/>
                 </a:tc>
               </a:tr>
-              <a:tr h="370840">
+              <a:tr h="426720">
                 <a:tc>
                   <a:txBody>
                     <a:bodyPr/>
